--- a/proj2/exercise2/TCP_states.pptx
+++ b/proj2/exercise2/TCP_states.pptx
@@ -271,7 +271,7 @@
           <a:p>
             <a:fld id="{6994C39D-F7D2-4A98-B7C1-2C9FE79B3FF9}" type="datetimeFigureOut">
               <a:rPr lang="en-US" smtClean="0"/>
-              <a:t>12/1/19</a:t>
+              <a:t>12/8/19</a:t>
             </a:fld>
             <a:endParaRPr lang="en-US"/>
           </a:p>
@@ -439,7 +439,7 @@
           <a:p>
             <a:fld id="{6994C39D-F7D2-4A98-B7C1-2C9FE79B3FF9}" type="datetimeFigureOut">
               <a:rPr lang="en-US" smtClean="0"/>
-              <a:t>12/1/19</a:t>
+              <a:t>12/8/19</a:t>
             </a:fld>
             <a:endParaRPr lang="en-US"/>
           </a:p>
@@ -617,7 +617,7 @@
           <a:p>
             <a:fld id="{6994C39D-F7D2-4A98-B7C1-2C9FE79B3FF9}" type="datetimeFigureOut">
               <a:rPr lang="en-US" smtClean="0"/>
-              <a:t>12/1/19</a:t>
+              <a:t>12/8/19</a:t>
             </a:fld>
             <a:endParaRPr lang="en-US"/>
           </a:p>
@@ -785,7 +785,7 @@
           <a:p>
             <a:fld id="{6994C39D-F7D2-4A98-B7C1-2C9FE79B3FF9}" type="datetimeFigureOut">
               <a:rPr lang="en-US" smtClean="0"/>
-              <a:t>12/1/19</a:t>
+              <a:t>12/8/19</a:t>
             </a:fld>
             <a:endParaRPr lang="en-US"/>
           </a:p>
@@ -1030,7 +1030,7 @@
           <a:p>
             <a:fld id="{6994C39D-F7D2-4A98-B7C1-2C9FE79B3FF9}" type="datetimeFigureOut">
               <a:rPr lang="en-US" smtClean="0"/>
-              <a:t>12/1/19</a:t>
+              <a:t>12/8/19</a:t>
             </a:fld>
             <a:endParaRPr lang="en-US"/>
           </a:p>
@@ -1259,7 +1259,7 @@
           <a:p>
             <a:fld id="{6994C39D-F7D2-4A98-B7C1-2C9FE79B3FF9}" type="datetimeFigureOut">
               <a:rPr lang="en-US" smtClean="0"/>
-              <a:t>12/1/19</a:t>
+              <a:t>12/8/19</a:t>
             </a:fld>
             <a:endParaRPr lang="en-US"/>
           </a:p>
@@ -1623,7 +1623,7 @@
           <a:p>
             <a:fld id="{6994C39D-F7D2-4A98-B7C1-2C9FE79B3FF9}" type="datetimeFigureOut">
               <a:rPr lang="en-US" smtClean="0"/>
-              <a:t>12/1/19</a:t>
+              <a:t>12/8/19</a:t>
             </a:fld>
             <a:endParaRPr lang="en-US"/>
           </a:p>
@@ -1740,7 +1740,7 @@
           <a:p>
             <a:fld id="{6994C39D-F7D2-4A98-B7C1-2C9FE79B3FF9}" type="datetimeFigureOut">
               <a:rPr lang="en-US" smtClean="0"/>
-              <a:t>12/1/19</a:t>
+              <a:t>12/8/19</a:t>
             </a:fld>
             <a:endParaRPr lang="en-US"/>
           </a:p>
@@ -1835,7 +1835,7 @@
           <a:p>
             <a:fld id="{6994C39D-F7D2-4A98-B7C1-2C9FE79B3FF9}" type="datetimeFigureOut">
               <a:rPr lang="en-US" smtClean="0"/>
-              <a:t>12/1/19</a:t>
+              <a:t>12/8/19</a:t>
             </a:fld>
             <a:endParaRPr lang="en-US"/>
           </a:p>
@@ -2110,7 +2110,7 @@
           <a:p>
             <a:fld id="{6994C39D-F7D2-4A98-B7C1-2C9FE79B3FF9}" type="datetimeFigureOut">
               <a:rPr lang="en-US" smtClean="0"/>
-              <a:t>12/1/19</a:t>
+              <a:t>12/8/19</a:t>
             </a:fld>
             <a:endParaRPr lang="en-US"/>
           </a:p>
@@ -2362,7 +2362,7 @@
           <a:p>
             <a:fld id="{6994C39D-F7D2-4A98-B7C1-2C9FE79B3FF9}" type="datetimeFigureOut">
               <a:rPr lang="en-US" smtClean="0"/>
-              <a:t>12/1/19</a:t>
+              <a:t>12/8/19</a:t>
             </a:fld>
             <a:endParaRPr lang="en-US"/>
           </a:p>
@@ -2573,7 +2573,7 @@
           <a:p>
             <a:fld id="{6994C39D-F7D2-4A98-B7C1-2C9FE79B3FF9}" type="datetimeFigureOut">
               <a:rPr lang="en-US" smtClean="0"/>
-              <a:t>12/1/19</a:t>
+              <a:t>12/8/19</a:t>
             </a:fld>
             <a:endParaRPr lang="en-US"/>
           </a:p>
@@ -3205,7 +3205,7 @@
         </p:nvSpPr>
         <p:spPr>
           <a:xfrm>
-            <a:off x="5278476" y="3062975"/>
+            <a:off x="4071804" y="2509961"/>
             <a:ext cx="779829" cy="369332"/>
           </a:xfrm>
           <a:prstGeom prst="rect">
@@ -3244,7 +3244,7 @@
         </p:nvSpPr>
         <p:spPr>
           <a:xfrm>
-            <a:off x="4356821" y="3418574"/>
+            <a:off x="5917992" y="3479675"/>
             <a:ext cx="779829" cy="369332"/>
           </a:xfrm>
           <a:prstGeom prst="rect">
@@ -3330,7 +3330,7 @@
         </p:nvSpPr>
         <p:spPr>
           <a:xfrm>
-            <a:off x="6461392" y="4826459"/>
+            <a:off x="4071803" y="4353963"/>
             <a:ext cx="779829" cy="369332"/>
           </a:xfrm>
           <a:prstGeom prst="rect">
@@ -3369,8 +3369,8 @@
         </p:nvSpPr>
         <p:spPr>
           <a:xfrm>
-            <a:off x="10060934" y="4353963"/>
-            <a:ext cx="1603965" cy="369332"/>
+            <a:off x="7228229" y="4489587"/>
+            <a:ext cx="1291187" cy="369332"/>
           </a:xfrm>
           <a:prstGeom prst="rect">
             <a:avLst/>
@@ -3389,7 +3389,85 @@
                   <a:srgbClr val="FF0000"/>
                 </a:solidFill>
               </a:rPr>
-              <a:t>Pkt:85 - unsure</a:t>
+              <a:t>Pkt:85 - Ack</a:t>
+            </a:r>
+          </a:p>
+        </p:txBody>
+      </p:sp>
+      <p:sp>
+        <p:nvSpPr>
+          <p:cNvPr id="12" name="TextBox 11">
+            <a:extLst>
+              <a:ext uri="{FF2B5EF4-FFF2-40B4-BE49-F238E27FC236}">
+                <a16:creationId xmlns:a16="http://schemas.microsoft.com/office/drawing/2014/main" id="{DBA3CB8A-0C69-5E4D-8C90-093FCC7ABC54}"/>
+              </a:ext>
+            </a:extLst>
+          </p:cNvPr>
+          <p:cNvSpPr txBox="1"/>
+          <p:nvPr/>
+        </p:nvSpPr>
+        <p:spPr>
+          <a:xfrm>
+            <a:off x="3672345" y="5803033"/>
+            <a:ext cx="779829" cy="369332"/>
+          </a:xfrm>
+          <a:prstGeom prst="rect">
+            <a:avLst/>
+          </a:prstGeom>
+          <a:noFill/>
+        </p:spPr>
+        <p:txBody>
+          <a:bodyPr wrap="none" rtlCol="0">
+            <a:spAutoFit/>
+          </a:bodyPr>
+          <a:lstStyle/>
+          <a:p>
+            <a:r>
+              <a:rPr lang="en-US" dirty="0">
+                <a:solidFill>
+                  <a:srgbClr val="FF0000"/>
+                </a:solidFill>
+              </a:rPr>
+              <a:t>Pkt:86</a:t>
+            </a:r>
+          </a:p>
+        </p:txBody>
+      </p:sp>
+      <p:sp>
+        <p:nvSpPr>
+          <p:cNvPr id="13" name="TextBox 12">
+            <a:extLst>
+              <a:ext uri="{FF2B5EF4-FFF2-40B4-BE49-F238E27FC236}">
+                <a16:creationId xmlns:a16="http://schemas.microsoft.com/office/drawing/2014/main" id="{E7DFF164-44DF-7242-8A2D-056642FC039D}"/>
+              </a:ext>
+            </a:extLst>
+          </p:cNvPr>
+          <p:cNvSpPr txBox="1"/>
+          <p:nvPr/>
+        </p:nvSpPr>
+        <p:spPr>
+          <a:xfrm>
+            <a:off x="8792823" y="6002736"/>
+            <a:ext cx="779829" cy="369332"/>
+          </a:xfrm>
+          <a:prstGeom prst="rect">
+            <a:avLst/>
+          </a:prstGeom>
+          <a:noFill/>
+        </p:spPr>
+        <p:txBody>
+          <a:bodyPr wrap="none" rtlCol="0">
+            <a:spAutoFit/>
+          </a:bodyPr>
+          <a:lstStyle/>
+          <a:p>
+            <a:r>
+              <a:rPr lang="en-US" dirty="0">
+                <a:solidFill>
+                  <a:srgbClr val="FF0000"/>
+                </a:solidFill>
+              </a:rPr>
+              <a:t>Pkt:87</a:t>
             </a:r>
           </a:p>
         </p:txBody>
